--- a/Uke 35/Htmlintro.pptx
+++ b/Uke 35/Htmlintro.pptx
@@ -6,9 +6,9 @@
   </p:sldMasterIdLst>
   <p:sldIdLst>
     <p:sldId id="256" r:id="rId2"/>
-    <p:sldId id="257" r:id="rId3"/>
-    <p:sldId id="258" r:id="rId4"/>
-    <p:sldId id="259" r:id="rId5"/>
+    <p:sldId id="259" r:id="rId3"/>
+    <p:sldId id="257" r:id="rId4"/>
+    <p:sldId id="258" r:id="rId5"/>
   </p:sldIdLst>
   <p:sldSz cx="12192000" cy="6858000"/>
   <p:notesSz cx="6858000" cy="9144000"/>
@@ -107,6 +107,11 @@
       </a:defRPr>
     </a:lvl9pPr>
   </p:defaultTextStyle>
+  <p:extLst>
+    <p:ext uri="{EFAFB233-063F-42B5-8137-9DF3F51BA10A}">
+      <p15:sldGuideLst xmlns:p15="http://schemas.microsoft.com/office/powerpoint/2012/main"/>
+    </p:ext>
+  </p:extLst>
 </p:presentation>
 </file>
 
@@ -259,7 +264,7 @@
           <a:p>
             <a:fld id="{4E57648F-695E-4772-B042-3F72E6A3DD9B}" type="datetimeFigureOut">
               <a:rPr lang="en-GB" smtClean="0"/>
-              <a:t>24/08/2018</a:t>
+              <a:t>26/08/2018</a:t>
             </a:fld>
             <a:endParaRPr lang="en-GB"/>
           </a:p>
@@ -459,7 +464,7 @@
           <a:p>
             <a:fld id="{4E57648F-695E-4772-B042-3F72E6A3DD9B}" type="datetimeFigureOut">
               <a:rPr lang="en-GB" smtClean="0"/>
-              <a:t>24/08/2018</a:t>
+              <a:t>26/08/2018</a:t>
             </a:fld>
             <a:endParaRPr lang="en-GB"/>
           </a:p>
@@ -669,7 +674,7 @@
           <a:p>
             <a:fld id="{4E57648F-695E-4772-B042-3F72E6A3DD9B}" type="datetimeFigureOut">
               <a:rPr lang="en-GB" smtClean="0"/>
-              <a:t>24/08/2018</a:t>
+              <a:t>26/08/2018</a:t>
             </a:fld>
             <a:endParaRPr lang="en-GB"/>
           </a:p>
@@ -869,7 +874,7 @@
           <a:p>
             <a:fld id="{4E57648F-695E-4772-B042-3F72E6A3DD9B}" type="datetimeFigureOut">
               <a:rPr lang="en-GB" smtClean="0"/>
-              <a:t>24/08/2018</a:t>
+              <a:t>26/08/2018</a:t>
             </a:fld>
             <a:endParaRPr lang="en-GB"/>
           </a:p>
@@ -1145,7 +1150,7 @@
           <a:p>
             <a:fld id="{4E57648F-695E-4772-B042-3F72E6A3DD9B}" type="datetimeFigureOut">
               <a:rPr lang="en-GB" smtClean="0"/>
-              <a:t>24/08/2018</a:t>
+              <a:t>26/08/2018</a:t>
             </a:fld>
             <a:endParaRPr lang="en-GB"/>
           </a:p>
@@ -1413,7 +1418,7 @@
           <a:p>
             <a:fld id="{4E57648F-695E-4772-B042-3F72E6A3DD9B}" type="datetimeFigureOut">
               <a:rPr lang="en-GB" smtClean="0"/>
-              <a:t>24/08/2018</a:t>
+              <a:t>26/08/2018</a:t>
             </a:fld>
             <a:endParaRPr lang="en-GB"/>
           </a:p>
@@ -1828,7 +1833,7 @@
           <a:p>
             <a:fld id="{4E57648F-695E-4772-B042-3F72E6A3DD9B}" type="datetimeFigureOut">
               <a:rPr lang="en-GB" smtClean="0"/>
-              <a:t>24/08/2018</a:t>
+              <a:t>26/08/2018</a:t>
             </a:fld>
             <a:endParaRPr lang="en-GB"/>
           </a:p>
@@ -1970,7 +1975,7 @@
           <a:p>
             <a:fld id="{4E57648F-695E-4772-B042-3F72E6A3DD9B}" type="datetimeFigureOut">
               <a:rPr lang="en-GB" smtClean="0"/>
-              <a:t>24/08/2018</a:t>
+              <a:t>26/08/2018</a:t>
             </a:fld>
             <a:endParaRPr lang="en-GB"/>
           </a:p>
@@ -2083,7 +2088,7 @@
           <a:p>
             <a:fld id="{4E57648F-695E-4772-B042-3F72E6A3DD9B}" type="datetimeFigureOut">
               <a:rPr lang="en-GB" smtClean="0"/>
-              <a:t>24/08/2018</a:t>
+              <a:t>26/08/2018</a:t>
             </a:fld>
             <a:endParaRPr lang="en-GB"/>
           </a:p>
@@ -2396,7 +2401,7 @@
           <a:p>
             <a:fld id="{4E57648F-695E-4772-B042-3F72E6A3DD9B}" type="datetimeFigureOut">
               <a:rPr lang="en-GB" smtClean="0"/>
-              <a:t>24/08/2018</a:t>
+              <a:t>26/08/2018</a:t>
             </a:fld>
             <a:endParaRPr lang="en-GB"/>
           </a:p>
@@ -2685,7 +2690,7 @@
           <a:p>
             <a:fld id="{4E57648F-695E-4772-B042-3F72E6A3DD9B}" type="datetimeFigureOut">
               <a:rPr lang="en-GB" smtClean="0"/>
-              <a:t>24/08/2018</a:t>
+              <a:t>26/08/2018</a:t>
             </a:fld>
             <a:endParaRPr lang="en-GB"/>
           </a:p>
@@ -2928,7 +2933,7 @@
           <a:p>
             <a:fld id="{4E57648F-695E-4772-B042-3F72E6A3DD9B}" type="datetimeFigureOut">
               <a:rPr lang="en-GB" smtClean="0"/>
-              <a:t>24/08/2018</a:t>
+              <a:t>26/08/2018</a:t>
             </a:fld>
             <a:endParaRPr lang="en-GB"/>
           </a:p>
@@ -3398,12 +3403,12 @@
         <p:spPr>
           <a:xfrm>
             <a:off x="1529593" y="1982962"/>
-            <a:ext cx="9144000" cy="3587327"/>
+            <a:ext cx="9144000" cy="4359115"/>
           </a:xfrm>
         </p:spPr>
         <p:txBody>
           <a:bodyPr>
-            <a:normAutofit fontScale="77500" lnSpcReduction="20000"/>
+            <a:normAutofit fontScale="92500" lnSpcReduction="20000"/>
           </a:bodyPr>
           <a:lstStyle/>
           <a:p>
@@ -3503,38 +3508,128 @@
             </a:pPr>
             <a:r>
               <a:rPr lang="nb-NO" dirty="0"/>
-              <a:t>For webdesignere er intensjonen/informasjonen i navnet på en tag viktig (i tillegg til hva den gjør)</a:t>
+              <a:t>For webdesignere er intensjonen/informasjonen i navnet på en tag viktig.</a:t>
             </a:r>
           </a:p>
           <a:p>
             <a:pPr lvl="1" algn="l"/>
             <a:r>
+              <a:rPr lang="nb-NO" dirty="0">
+                <a:solidFill>
+                  <a:srgbClr val="FF0000"/>
+                </a:solidFill>
+              </a:rPr>
+              <a:t>&lt;</a:t>
+            </a:r>
+            <a:r>
+              <a:rPr lang="nb-NO" dirty="0" err="1">
+                <a:solidFill>
+                  <a:srgbClr val="FF0000"/>
+                </a:solidFill>
+              </a:rPr>
+              <a:t>section</a:t>
+            </a:r>
+            <a:r>
+              <a:rPr lang="nb-NO" dirty="0">
+                <a:solidFill>
+                  <a:srgbClr val="FF0000"/>
+                </a:solidFill>
+              </a:rPr>
+              <a:t>&gt;, &lt;</a:t>
+            </a:r>
+            <a:r>
+              <a:rPr lang="nb-NO" dirty="0" err="1">
+                <a:solidFill>
+                  <a:srgbClr val="FF0000"/>
+                </a:solidFill>
+              </a:rPr>
+              <a:t>article</a:t>
+            </a:r>
+            <a:r>
+              <a:rPr lang="nb-NO" dirty="0">
+                <a:solidFill>
+                  <a:srgbClr val="FF0000"/>
+                </a:solidFill>
+              </a:rPr>
+              <a:t>&gt; </a:t>
+            </a:r>
+            <a:r>
               <a:rPr lang="nb-NO" dirty="0"/>
-              <a:t>&lt;</a:t>
-            </a:r>
-            <a:r>
-              <a:rPr lang="nb-NO" dirty="0" err="1"/>
-              <a:t>section</a:t>
+              <a:t>eller</a:t>
+            </a:r>
+            <a:r>
+              <a:rPr lang="nb-NO" dirty="0">
+                <a:solidFill>
+                  <a:srgbClr val="FF0000"/>
+                </a:solidFill>
+              </a:rPr>
+              <a:t> &lt;</a:t>
+            </a:r>
+            <a:r>
+              <a:rPr lang="nb-NO" dirty="0" err="1">
+                <a:solidFill>
+                  <a:srgbClr val="FF0000"/>
+                </a:solidFill>
+              </a:rPr>
+              <a:t>aside</a:t>
+            </a:r>
+            <a:r>
+              <a:rPr lang="nb-NO" dirty="0">
+                <a:solidFill>
+                  <a:srgbClr val="FF0000"/>
+                </a:solidFill>
+              </a:rPr>
+              <a:t>&gt;?</a:t>
+            </a:r>
+          </a:p>
+          <a:p>
+            <a:pPr lvl="1" algn="l"/>
+            <a:r>
+              <a:rPr lang="nb-NO" dirty="0">
+                <a:solidFill>
+                  <a:srgbClr val="FF0000"/>
+                </a:solidFill>
+              </a:rPr>
+              <a:t>&lt;p&gt; </a:t>
             </a:r>
             <a:r>
               <a:rPr lang="nb-NO" dirty="0"/>
-              <a:t>&gt;, &lt;</a:t>
-            </a:r>
-            <a:r>
-              <a:rPr lang="nb-NO" dirty="0" err="1"/>
-              <a:t>article</a:t>
-            </a:r>
-            <a:r>
-              <a:rPr lang="nb-NO" dirty="0"/>
-              <a:t>&gt;,&lt;</a:t>
-            </a:r>
-            <a:r>
-              <a:rPr lang="nb-NO" dirty="0" err="1"/>
-              <a:t>aside</a:t>
-            </a:r>
-            <a:r>
-              <a:rPr lang="nb-NO" dirty="0"/>
-              <a:t>&gt;,&lt;p&gt;, &lt;div&gt; </a:t>
+              <a:t>eller</a:t>
+            </a:r>
+            <a:r>
+              <a:rPr lang="nb-NO" dirty="0">
+                <a:solidFill>
+                  <a:srgbClr val="FF0000"/>
+                </a:solidFill>
+              </a:rPr>
+              <a:t> &lt;div&gt;?</a:t>
+            </a:r>
+          </a:p>
+          <a:p>
+            <a:pPr lvl="1" algn="l"/>
+            <a:r>
+              <a:rPr lang="nb-NO" dirty="0">
+                <a:solidFill>
+                  <a:srgbClr val="FF0000"/>
+                </a:solidFill>
+              </a:rPr>
+              <a:t>&lt;i&gt;, &lt;em&gt; eller &lt;</a:t>
+            </a:r>
+            <a:r>
+              <a:rPr lang="nb-NO" dirty="0" err="1">
+                <a:solidFill>
+                  <a:srgbClr val="FF0000"/>
+                </a:solidFill>
+              </a:rPr>
+              <a:t>cite</a:t>
+            </a:r>
+            <a:r>
+              <a:rPr lang="nb-NO" dirty="0">
+                <a:solidFill>
+                  <a:srgbClr val="FF0000"/>
+                </a:solidFill>
+              </a:rPr>
+              <a:t>&gt;?</a:t>
             </a:r>
           </a:p>
           <a:p>
@@ -3616,30 +3711,31 @@
           <p:cNvPr id="2" name="Tittel 1">
             <a:extLst>
               <a:ext uri="{FF2B5EF4-FFF2-40B4-BE49-F238E27FC236}">
-                <a16:creationId xmlns:a16="http://schemas.microsoft.com/office/drawing/2014/main" id="{4BAF8AA3-6D14-4386-B4C1-16E66C6F3F88}"/>
-              </a:ext>
-            </a:extLst>
-          </p:cNvPr>
-          <p:cNvSpPr>
-            <a:spLocks noGrp="1"/>
-          </p:cNvSpPr>
-          <p:nvPr>
-            <p:ph type="ctrTitle"/>
+                <a16:creationId xmlns:a16="http://schemas.microsoft.com/office/drawing/2014/main" id="{FF45C699-0B73-410D-98C3-B1474002AAD5}"/>
+              </a:ext>
+            </a:extLst>
+          </p:cNvPr>
+          <p:cNvSpPr>
+            <a:spLocks noGrp="1"/>
+          </p:cNvSpPr>
+          <p:nvPr>
+            <p:ph type="title"/>
           </p:nvPr>
         </p:nvSpPr>
         <p:spPr>
           <a:xfrm>
-            <a:off x="1524000" y="317020"/>
-            <a:ext cx="9144000" cy="1226554"/>
+            <a:off x="838200" y="365126"/>
+            <a:ext cx="10515600" cy="993892"/>
           </a:xfrm>
         </p:spPr>
         <p:txBody>
           <a:bodyPr/>
           <a:lstStyle/>
           <a:p>
+            <a:pPr algn="ctr"/>
             <a:r>
               <a:rPr lang="nb-NO" dirty="0"/>
-              <a:t>Attributter</a:t>
+              <a:t>Paragrafer og format</a:t>
             </a:r>
             <a:endParaRPr lang="en-GB" dirty="0"/>
           </a:p>
@@ -3647,57 +3743,126 @@
       </p:sp>
       <p:sp>
         <p:nvSpPr>
-          <p:cNvPr id="3" name="Undertittel 2">
-            <a:extLst>
-              <a:ext uri="{FF2B5EF4-FFF2-40B4-BE49-F238E27FC236}">
-                <a16:creationId xmlns:a16="http://schemas.microsoft.com/office/drawing/2014/main" id="{2E7951E4-9E2C-49D4-84E1-883898BE3F67}"/>
-              </a:ext>
-            </a:extLst>
-          </p:cNvPr>
-          <p:cNvSpPr>
-            <a:spLocks noGrp="1"/>
-          </p:cNvSpPr>
-          <p:nvPr>
-            <p:ph type="subTitle" idx="1"/>
+          <p:cNvPr id="3" name="Plassholder for innhold 2">
+            <a:extLst>
+              <a:ext uri="{FF2B5EF4-FFF2-40B4-BE49-F238E27FC236}">
+                <a16:creationId xmlns:a16="http://schemas.microsoft.com/office/drawing/2014/main" id="{F3A3EE13-2AD3-4206-91AB-46E720A04D2F}"/>
+              </a:ext>
+            </a:extLst>
+          </p:cNvPr>
+          <p:cNvSpPr>
+            <a:spLocks noGrp="1"/>
+          </p:cNvSpPr>
+          <p:nvPr>
+            <p:ph idx="1"/>
           </p:nvPr>
         </p:nvSpPr>
         <p:spPr>
           <a:xfrm>
-            <a:off x="1521204" y="1778466"/>
-            <a:ext cx="9144000" cy="3531765"/>
+            <a:off x="838200" y="1216404"/>
+            <a:ext cx="10515600" cy="4960559"/>
           </a:xfrm>
         </p:spPr>
         <p:txBody>
           <a:bodyPr>
-            <a:normAutofit fontScale="92500" lnSpcReduction="20000"/>
+            <a:normAutofit fontScale="92500" lnSpcReduction="10000"/>
           </a:bodyPr>
           <a:lstStyle/>
           <a:p>
-            <a:pPr marL="342900" indent="-342900" algn="l">
-              <a:buFont typeface="Arial" panose="020B0604020202020204" pitchFamily="34" charset="0"/>
-              <a:buChar char="•"/>
+            <a:r>
+              <a:rPr lang="nb-NO" dirty="0"/>
+              <a:t>Nettlesere leser html koden «rett frem»</a:t>
+            </a:r>
+          </a:p>
+          <a:p>
+            <a:pPr marL="0" indent="0">
+              <a:buNone/>
             </a:pPr>
+            <a:endParaRPr lang="nb-NO" dirty="0"/>
+          </a:p>
+          <a:p>
             <a:r>
               <a:rPr lang="nb-NO" dirty="0"/>
-              <a:t>Ekstra informasjon vi kan legge inn i en tag</a:t>
-            </a:r>
-          </a:p>
-          <a:p>
-            <a:pPr algn="l"/>
+              <a:t>Vi må dermed bruke forskjellige tags for paragrafer, linjeskift og annen formattering</a:t>
+            </a:r>
+          </a:p>
+          <a:p>
+            <a:r>
+              <a:rPr lang="nb-NO" dirty="0">
+                <a:solidFill>
+                  <a:srgbClr val="FF0000"/>
+                </a:solidFill>
+              </a:rPr>
+              <a:t>&lt;p&gt;</a:t>
+            </a:r>
+            <a:r>
+              <a:rPr lang="nb-NO" dirty="0"/>
+              <a:t>Første avsnitt i hjemmesiden</a:t>
+            </a:r>
+            <a:r>
+              <a:rPr lang="nb-NO" dirty="0">
+                <a:solidFill>
+                  <a:srgbClr val="FF0000"/>
+                </a:solidFill>
+              </a:rPr>
+              <a:t>&lt;/p&gt;</a:t>
+            </a:r>
+          </a:p>
+          <a:p>
+            <a:pPr marL="0" indent="0">
+              <a:buNone/>
+            </a:pPr>
+            <a:r>
+              <a:rPr lang="nb-NO" dirty="0"/>
+              <a:t>   </a:t>
+            </a:r>
+            <a:r>
+              <a:rPr lang="nb-NO" dirty="0">
+                <a:solidFill>
+                  <a:srgbClr val="FF0000"/>
+                </a:solidFill>
+              </a:rPr>
+              <a:t>&lt;p&gt;</a:t>
+            </a:r>
+            <a:r>
+              <a:rPr lang="nb-NO" dirty="0"/>
+              <a:t>Neste avsnitt</a:t>
+            </a:r>
+            <a:r>
+              <a:rPr lang="nb-NO" dirty="0">
+                <a:solidFill>
+                  <a:srgbClr val="FF0000"/>
+                </a:solidFill>
+              </a:rPr>
+              <a:t>&lt;/p&gt;</a:t>
+            </a:r>
+          </a:p>
+          <a:p>
+            <a:pPr marL="0" indent="0">
+              <a:buNone/>
+            </a:pPr>
             <a:endParaRPr lang="nb-NO" dirty="0"/>
           </a:p>
           <a:p>
-            <a:pPr marL="342900" indent="-342900" algn="l">
-              <a:buFont typeface="Arial" panose="020B0604020202020204" pitchFamily="34" charset="0"/>
-              <a:buChar char="•"/>
-            </a:pPr>
-            <a:r>
-              <a:rPr lang="nb-NO" dirty="0" err="1"/>
-              <a:t>Syntax</a:t>
+            <a:r>
+              <a:rPr lang="nb-NO" dirty="0">
+                <a:solidFill>
+                  <a:srgbClr val="FF0000"/>
+                </a:solidFill>
+              </a:rPr>
+              <a:t>&lt;p&gt;</a:t>
             </a:r>
             <a:r>
               <a:rPr lang="nb-NO" dirty="0"/>
-              <a:t>: &lt;video </a:t>
+              <a:t>Akkurat her</a:t>
+            </a:r>
+            <a:r>
+              <a:rPr lang="nb-NO" dirty="0">
+                <a:solidFill>
+                  <a:srgbClr val="FF0000"/>
+                </a:solidFill>
+              </a:rPr>
+              <a:t>&lt;</a:t>
             </a:r>
             <a:r>
               <a:rPr lang="nb-NO" dirty="0" err="1">
@@ -3705,11 +3870,76 @@
                   <a:srgbClr val="FF0000"/>
                 </a:solidFill>
               </a:rPr>
-              <a:t>controls</a:t>
+              <a:t>br</a:t>
+            </a:r>
+            <a:r>
+              <a:rPr lang="nb-NO" dirty="0">
+                <a:solidFill>
+                  <a:srgbClr val="FF0000"/>
+                </a:solidFill>
+              </a:rPr>
+              <a:t>&gt;</a:t>
             </a:r>
             <a:r>
               <a:rPr lang="nb-NO" dirty="0"/>
-              <a:t> </a:t>
+              <a:t>kunne det passet med linjeskift</a:t>
+            </a:r>
+            <a:r>
+              <a:rPr lang="nb-NO" dirty="0">
+                <a:solidFill>
+                  <a:srgbClr val="FF0000"/>
+                </a:solidFill>
+              </a:rPr>
+              <a:t>&lt;/p&gt;</a:t>
+            </a:r>
+          </a:p>
+          <a:p>
+            <a:endParaRPr lang="nb-NO" dirty="0"/>
+          </a:p>
+          <a:p>
+            <a:r>
+              <a:rPr lang="nb-NO" dirty="0">
+                <a:solidFill>
+                  <a:srgbClr val="FF0000"/>
+                </a:solidFill>
+              </a:rPr>
+              <a:t>&lt;p&gt;</a:t>
+            </a:r>
+            <a:r>
+              <a:rPr lang="nb-NO" dirty="0"/>
+              <a:t>Her skriver jeg i </a:t>
+            </a:r>
+            <a:r>
+              <a:rPr lang="nb-NO" dirty="0">
+                <a:solidFill>
+                  <a:srgbClr val="FF0000"/>
+                </a:solidFill>
+              </a:rPr>
+              <a:t>&lt;em&gt;</a:t>
+            </a:r>
+            <a:r>
+              <a:rPr lang="nb-NO" i="1" dirty="0"/>
+              <a:t>kursiv</a:t>
+            </a:r>
+            <a:r>
+              <a:rPr lang="nb-NO" dirty="0">
+                <a:solidFill>
+                  <a:srgbClr val="FF0000"/>
+                </a:solidFill>
+              </a:rPr>
+              <a:t>&lt;/em&gt;, </a:t>
+            </a:r>
+            <a:r>
+              <a:rPr lang="nb-NO" dirty="0"/>
+              <a:t>mens dette er </a:t>
+            </a:r>
+            <a:r>
+              <a:rPr lang="nb-NO" dirty="0">
+                <a:solidFill>
+                  <a:srgbClr val="FF0000"/>
+                </a:solidFill>
+              </a:rPr>
+              <a:t>&lt;</a:t>
             </a:r>
             <a:r>
               <a:rPr lang="nb-NO" dirty="0" err="1">
@@ -3717,133 +3947,48 @@
                   <a:srgbClr val="FF0000"/>
                 </a:solidFill>
               </a:rPr>
-              <a:t>autoplay</a:t>
-            </a:r>
-            <a:r>
-              <a:rPr lang="nb-NO" dirty="0"/>
-              <a:t>&gt;…&lt;/video&gt;</a:t>
-            </a:r>
-          </a:p>
-          <a:p>
-            <a:pPr lvl="1" algn="l"/>
-            <a:r>
-              <a:rPr lang="nb-NO" dirty="0"/>
-              <a:t>Her er det to attributter:</a:t>
-            </a:r>
-          </a:p>
-          <a:p>
-            <a:pPr marL="800100" lvl="1" indent="-342900" algn="l">
-              <a:buFontTx/>
-              <a:buChar char="-"/>
-            </a:pPr>
+              <a:t>strong</a:t>
+            </a:r>
+            <a:r>
+              <a:rPr lang="nb-NO" dirty="0">
+                <a:solidFill>
+                  <a:srgbClr val="FF0000"/>
+                </a:solidFill>
+              </a:rPr>
+              <a:t>&gt;</a:t>
+            </a:r>
+            <a:r>
+              <a:rPr lang="nb-NO" b="1" dirty="0"/>
+              <a:t>fet</a:t>
+            </a:r>
+            <a:r>
+              <a:rPr lang="nb-NO" dirty="0">
+                <a:solidFill>
+                  <a:srgbClr val="FF0000"/>
+                </a:solidFill>
+              </a:rPr>
+              <a:t>&lt;/</a:t>
+            </a:r>
             <a:r>
               <a:rPr lang="nb-NO" dirty="0" err="1">
                 <a:solidFill>
                   <a:srgbClr val="FF0000"/>
                 </a:solidFill>
               </a:rPr>
-              <a:t>controls</a:t>
-            </a:r>
-            <a:r>
-              <a:rPr lang="nb-NO" dirty="0"/>
-              <a:t> gir oss knapper for å spille/pause videosnutten</a:t>
-            </a:r>
-          </a:p>
-          <a:p>
-            <a:pPr marL="800100" lvl="1" indent="-342900" algn="l">
-              <a:buFontTx/>
-              <a:buChar char="-"/>
-            </a:pPr>
-            <a:r>
-              <a:rPr lang="nb-NO" dirty="0" err="1">
+              <a:t>strong</a:t>
+            </a:r>
+            <a:r>
+              <a:rPr lang="nb-NO" dirty="0">
                 <a:solidFill>
                   <a:srgbClr val="FF0000"/>
                 </a:solidFill>
               </a:rPr>
-              <a:t>autoplay</a:t>
-            </a:r>
-            <a:r>
-              <a:rPr lang="nb-NO" dirty="0"/>
-              <a:t> gjør at den spilles automatisk</a:t>
-            </a:r>
-          </a:p>
-          <a:p>
-            <a:pPr lvl="1" algn="l"/>
-            <a:endParaRPr lang="nb-NO" dirty="0"/>
-          </a:p>
-          <a:p>
-            <a:pPr marL="342900" indent="-342900" algn="l">
-              <a:buFont typeface="Arial" panose="020B0604020202020204" pitchFamily="34" charset="0"/>
-              <a:buChar char="•"/>
-            </a:pPr>
-            <a:r>
-              <a:rPr lang="nb-NO" dirty="0" err="1"/>
-              <a:t>Syntax</a:t>
-            </a:r>
-            <a:r>
-              <a:rPr lang="nb-NO" dirty="0"/>
-              <a:t> 2: &lt;</a:t>
-            </a:r>
-            <a:r>
-              <a:rPr lang="nb-NO" dirty="0" err="1"/>
-              <a:t>img</a:t>
-            </a:r>
-            <a:r>
-              <a:rPr lang="nb-NO" dirty="0"/>
-              <a:t> </a:t>
-            </a:r>
-            <a:r>
-              <a:rPr lang="nb-NO" dirty="0" err="1">
-                <a:solidFill>
-                  <a:srgbClr val="FF0000"/>
-                </a:solidFill>
-              </a:rPr>
-              <a:t>src</a:t>
-            </a:r>
-            <a:r>
-              <a:rPr lang="nb-NO" dirty="0">
-                <a:solidFill>
-                  <a:schemeClr val="accent6">
-                    <a:lumMod val="75000"/>
-                  </a:schemeClr>
-                </a:solidFill>
-              </a:rPr>
-              <a:t>=«kultbilde.jpg»</a:t>
-            </a:r>
-            <a:r>
-              <a:rPr lang="nb-NO" dirty="0"/>
-              <a:t>&gt;</a:t>
-            </a:r>
-          </a:p>
-          <a:p>
-            <a:pPr algn="l"/>
-            <a:r>
-              <a:rPr lang="nb-NO" dirty="0"/>
-              <a:t>	</a:t>
-            </a:r>
-            <a:endParaRPr lang="en-GB" dirty="0"/>
-          </a:p>
-          <a:p>
-            <a:pPr marL="342900" indent="-342900" algn="l">
-              <a:buFont typeface="Arial" panose="020B0604020202020204" pitchFamily="34" charset="0"/>
-              <a:buChar char="•"/>
-            </a:pPr>
-            <a:r>
-              <a:rPr lang="nb-NO" dirty="0"/>
-              <a:t>For en liste over tilgjengelige attributter: </a:t>
-            </a:r>
-            <a:r>
-              <a:rPr lang="nb-NO" dirty="0">
-                <a:hlinkClick r:id="rId2"/>
-              </a:rPr>
-              <a:t>https://www.w3schools.com/tags/ref_attributes.asp</a:t>
-            </a:r>
-            <a:endParaRPr lang="nb-NO" dirty="0"/>
-          </a:p>
-          <a:p>
-            <a:pPr marL="342900" indent="-342900" algn="l">
-              <a:buFont typeface="Arial" panose="020B0604020202020204" pitchFamily="34" charset="0"/>
-              <a:buChar char="•"/>
+              <a:t>&gt;&lt;/p&gt;</a:t>
+            </a:r>
+          </a:p>
+          <a:p>
+            <a:pPr marL="0" indent="0">
+              <a:buNone/>
             </a:pPr>
             <a:endParaRPr lang="nb-NO" dirty="0"/>
           </a:p>
@@ -3852,7 +3997,7 @@
     </p:spTree>
     <p:extLst>
       <p:ext uri="{BB962C8B-B14F-4D97-AF65-F5344CB8AC3E}">
-        <p14:creationId xmlns:p14="http://schemas.microsoft.com/office/powerpoint/2010/main" val="1012749829"/>
+        <p14:creationId xmlns:p14="http://schemas.microsoft.com/office/powerpoint/2010/main" val="2976767963"/>
       </p:ext>
     </p:extLst>
   </p:cSld>
@@ -3884,7 +4029,7 @@
           <p:cNvPr id="2" name="Tittel 1">
             <a:extLst>
               <a:ext uri="{FF2B5EF4-FFF2-40B4-BE49-F238E27FC236}">
-                <a16:creationId xmlns:a16="http://schemas.microsoft.com/office/drawing/2014/main" id="{10219385-4DBE-4CCC-BD8E-A4E9952F2A03}"/>
+                <a16:creationId xmlns:a16="http://schemas.microsoft.com/office/drawing/2014/main" id="{4BAF8AA3-6D14-4386-B4C1-16E66C6F3F88}"/>
               </a:ext>
             </a:extLst>
           </p:cNvPr>
@@ -3897,8 +4042,8 @@
         </p:nvSpPr>
         <p:spPr>
           <a:xfrm>
-            <a:off x="1521204" y="602245"/>
-            <a:ext cx="9144000" cy="1075553"/>
+            <a:off x="1524000" y="317020"/>
+            <a:ext cx="9144000" cy="1226554"/>
           </a:xfrm>
         </p:spPr>
         <p:txBody>
@@ -3907,7 +4052,7 @@
           <a:p>
             <a:r>
               <a:rPr lang="nb-NO" dirty="0"/>
-              <a:t>Style</a:t>
+              <a:t>Attributter</a:t>
             </a:r>
             <a:endParaRPr lang="en-GB" dirty="0"/>
           </a:p>
@@ -3918,7 +4063,7 @@
           <p:cNvPr id="3" name="Undertittel 2">
             <a:extLst>
               <a:ext uri="{FF2B5EF4-FFF2-40B4-BE49-F238E27FC236}">
-                <a16:creationId xmlns:a16="http://schemas.microsoft.com/office/drawing/2014/main" id="{402E9802-A5D5-45B6-BAAB-28DC99DD8B9E}"/>
+                <a16:creationId xmlns:a16="http://schemas.microsoft.com/office/drawing/2014/main" id="{2E7951E4-9E2C-49D4-84E1-883898BE3F67}"/>
               </a:ext>
             </a:extLst>
           </p:cNvPr>
@@ -3931,13 +4076,13 @@
         </p:nvSpPr>
         <p:spPr>
           <a:xfrm>
-            <a:off x="1518408" y="1870743"/>
-            <a:ext cx="9144000" cy="3540155"/>
+            <a:off x="1521204" y="1778466"/>
+            <a:ext cx="9144000" cy="3531765"/>
           </a:xfrm>
         </p:spPr>
         <p:txBody>
           <a:bodyPr>
-            <a:normAutofit/>
+            <a:normAutofit fontScale="92500" lnSpcReduction="20000"/>
           </a:bodyPr>
           <a:lstStyle/>
           <a:p>
@@ -3947,8 +4092,12 @@
             </a:pPr>
             <a:r>
               <a:rPr lang="nb-NO" dirty="0"/>
-              <a:t>En attributt som raskt lar oss gjøre mye med utseende til siden</a:t>
-            </a:r>
+              <a:t>Ekstra informasjon vi kan legge inn i en tag</a:t>
+            </a:r>
+          </a:p>
+          <a:p>
+            <a:pPr algn="l"/>
+            <a:endParaRPr lang="nb-NO" dirty="0"/>
           </a:p>
           <a:p>
             <a:pPr marL="342900" indent="-342900" algn="l">
@@ -3956,23 +4105,157 @@
               <a:buChar char="•"/>
             </a:pPr>
             <a:r>
+              <a:rPr lang="nb-NO" dirty="0" err="1"/>
+              <a:t>Syntax</a:t>
+            </a:r>
+            <a:r>
               <a:rPr lang="nb-NO" dirty="0"/>
-              <a:t>Eksempel:</a:t>
+              <a:t>: &lt;</a:t>
+            </a:r>
+            <a:r>
+              <a:rPr lang="nb-NO" dirty="0">
+                <a:solidFill>
+                  <a:srgbClr val="FF0000"/>
+                </a:solidFill>
+              </a:rPr>
+              <a:t>video</a:t>
+            </a:r>
+            <a:r>
+              <a:rPr lang="nb-NO" dirty="0"/>
+              <a:t> </a:t>
+            </a:r>
+            <a:r>
+              <a:rPr lang="nb-NO" dirty="0" err="1">
+                <a:solidFill>
+                  <a:schemeClr val="accent1">
+                    <a:lumMod val="75000"/>
+                  </a:schemeClr>
+                </a:solidFill>
+              </a:rPr>
+              <a:t>controls</a:t>
+            </a:r>
+            <a:r>
+              <a:rPr lang="nb-NO" dirty="0">
+                <a:solidFill>
+                  <a:schemeClr val="accent1">
+                    <a:lumMod val="75000"/>
+                  </a:schemeClr>
+                </a:solidFill>
+              </a:rPr>
+              <a:t> </a:t>
+            </a:r>
+            <a:r>
+              <a:rPr lang="nb-NO" dirty="0" err="1">
+                <a:solidFill>
+                  <a:schemeClr val="accent1">
+                    <a:lumMod val="75000"/>
+                  </a:schemeClr>
+                </a:solidFill>
+              </a:rPr>
+              <a:t>autoplay</a:t>
+            </a:r>
+            <a:r>
+              <a:rPr lang="nb-NO" dirty="0"/>
+              <a:t>&gt;…&lt;/</a:t>
+            </a:r>
+            <a:r>
+              <a:rPr lang="nb-NO" dirty="0">
+                <a:solidFill>
+                  <a:srgbClr val="FF0000"/>
+                </a:solidFill>
+              </a:rPr>
+              <a:t>video</a:t>
+            </a:r>
+            <a:r>
+              <a:rPr lang="nb-NO" dirty="0"/>
+              <a:t>&gt;</a:t>
             </a:r>
           </a:p>
           <a:p>
             <a:pPr lvl="1" algn="l"/>
             <a:r>
               <a:rPr lang="nb-NO" dirty="0"/>
-              <a:t>&lt;h1 </a:t>
-            </a:r>
-            <a:r>
-              <a:rPr lang="nb-NO" dirty="0">
+              <a:t>Her er det to attributter:</a:t>
+            </a:r>
+          </a:p>
+          <a:p>
+            <a:pPr marL="800100" lvl="1" indent="-342900" algn="l">
+              <a:buFontTx/>
+              <a:buChar char="-"/>
+            </a:pPr>
+            <a:r>
+              <a:rPr lang="nb-NO" dirty="0" err="1">
+                <a:solidFill>
+                  <a:schemeClr val="accent1">
+                    <a:lumMod val="75000"/>
+                  </a:schemeClr>
+                </a:solidFill>
+              </a:rPr>
+              <a:t>controls</a:t>
+            </a:r>
+            <a:r>
+              <a:rPr lang="nb-NO" dirty="0"/>
+              <a:t> gir oss knapper for å spille/pause videosnutten</a:t>
+            </a:r>
+          </a:p>
+          <a:p>
+            <a:pPr marL="800100" lvl="1" indent="-342900" algn="l">
+              <a:buFontTx/>
+              <a:buChar char="-"/>
+            </a:pPr>
+            <a:r>
+              <a:rPr lang="nb-NO" dirty="0" err="1">
+                <a:solidFill>
+                  <a:schemeClr val="accent1">
+                    <a:lumMod val="75000"/>
+                  </a:schemeClr>
+                </a:solidFill>
+              </a:rPr>
+              <a:t>autoplay</a:t>
+            </a:r>
+            <a:r>
+              <a:rPr lang="nb-NO" dirty="0"/>
+              <a:t> gjør at den spilles automatisk</a:t>
+            </a:r>
+          </a:p>
+          <a:p>
+            <a:pPr lvl="1" algn="l"/>
+            <a:endParaRPr lang="nb-NO" dirty="0"/>
+          </a:p>
+          <a:p>
+            <a:pPr marL="342900" indent="-342900" algn="l">
+              <a:buFont typeface="Arial" panose="020B0604020202020204" pitchFamily="34" charset="0"/>
+              <a:buChar char="•"/>
+            </a:pPr>
+            <a:r>
+              <a:rPr lang="nb-NO" dirty="0" err="1"/>
+              <a:t>Syntax</a:t>
+            </a:r>
+            <a:r>
+              <a:rPr lang="nb-NO" dirty="0"/>
+              <a:t> 2: &lt;</a:t>
+            </a:r>
+            <a:r>
+              <a:rPr lang="nb-NO" dirty="0" err="1">
                 <a:solidFill>
                   <a:srgbClr val="FF0000"/>
                 </a:solidFill>
               </a:rPr>
-              <a:t>style</a:t>
+              <a:t>img</a:t>
+            </a:r>
+            <a:r>
+              <a:rPr lang="nb-NO" dirty="0"/>
+              <a:t> </a:t>
+            </a:r>
+            <a:r>
+              <a:rPr lang="nb-NO" dirty="0" err="1">
+                <a:solidFill>
+                  <a:schemeClr val="accent1">
+                    <a:lumMod val="75000"/>
+                  </a:schemeClr>
+                </a:solidFill>
+              </a:rPr>
+              <a:t>src</a:t>
             </a:r>
             <a:r>
               <a:rPr lang="nb-NO" dirty="0">
@@ -3982,77 +4265,51 @@
                   </a:schemeClr>
                 </a:solidFill>
               </a:rPr>
-              <a:t>=«</a:t>
-            </a:r>
-            <a:r>
-              <a:rPr lang="nb-NO" dirty="0" err="1">
-                <a:solidFill>
-                  <a:schemeClr val="accent6">
-                    <a:lumMod val="75000"/>
-                  </a:schemeClr>
-                </a:solidFill>
-              </a:rPr>
-              <a:t>color:green;text-align:center</a:t>
+              <a:t>="kultbilde.jpg"</a:t>
+            </a:r>
+            <a:r>
+              <a:rPr lang="nb-NO" dirty="0"/>
+              <a:t>&gt;</a:t>
+            </a:r>
+          </a:p>
+          <a:p>
+            <a:pPr algn="l"/>
+            <a:r>
+              <a:rPr lang="nb-NO" dirty="0"/>
+              <a:t>	</a:t>
+            </a:r>
+            <a:endParaRPr lang="en-GB" dirty="0"/>
+          </a:p>
+          <a:p>
+            <a:pPr marL="342900" indent="-342900" algn="l">
+              <a:buFont typeface="Arial" panose="020B0604020202020204" pitchFamily="34" charset="0"/>
+              <a:buChar char="•"/>
+            </a:pPr>
+            <a:r>
+              <a:rPr lang="nb-NO" dirty="0"/>
+              <a:t>For en liste over tilgjengelige attributter: </a:t>
             </a:r>
             <a:r>
               <a:rPr lang="nb-NO" dirty="0">
-                <a:solidFill>
-                  <a:schemeClr val="accent6">
-                    <a:lumMod val="75000"/>
-                  </a:schemeClr>
-                </a:solidFill>
-              </a:rPr>
-              <a:t>»</a:t>
-            </a:r>
-            <a:r>
-              <a:rPr lang="nb-NO" dirty="0"/>
-              <a:t>&gt;Her har vi en overskrift&lt;/h1&gt; </a:t>
-            </a:r>
-          </a:p>
-          <a:p>
-            <a:pPr lvl="1" algn="l"/>
-            <a:r>
-              <a:rPr lang="nb-NO" dirty="0"/>
-              <a:t>Semikolon skiller mellom flere egenskaper </a:t>
-            </a:r>
-          </a:p>
-          <a:p>
-            <a:pPr lvl="1" algn="l"/>
+                <a:hlinkClick r:id="rId2"/>
+              </a:rPr>
+              <a:t>https://www.w3schools.com/tags/ref_attributes.asp</a:t>
+            </a:r>
             <a:endParaRPr lang="nb-NO" dirty="0"/>
           </a:p>
           <a:p>
-            <a:pPr algn="l"/>
-            <a:r>
-              <a:rPr lang="nb-NO" dirty="0"/>
-              <a:t>NB! Vi skal etterhvert bruke CSS langt mer grundig og riktig for å endre utseende til en hjemmeside. Denne er en rask «</a:t>
-            </a:r>
-            <a:r>
-              <a:rPr lang="nb-NO" dirty="0" err="1"/>
-              <a:t>quick-fix</a:t>
-            </a:r>
-            <a:r>
-              <a:rPr lang="nb-NO" dirty="0"/>
-              <a:t>» for å komme i gang, </a:t>
-            </a:r>
-            <a:r>
-              <a:rPr lang="nb-NO" dirty="0" err="1"/>
-              <a:t>evt</a:t>
-            </a:r>
-            <a:r>
-              <a:rPr lang="nb-NO" dirty="0"/>
-              <a:t> endre spesifikke element i en hjemmeside. </a:t>
-            </a:r>
-          </a:p>
-          <a:p>
-            <a:pPr lvl="1" algn="l"/>
-            <a:endParaRPr lang="en-GB" dirty="0"/>
+            <a:pPr marL="342900" indent="-342900" algn="l">
+              <a:buFont typeface="Arial" panose="020B0604020202020204" pitchFamily="34" charset="0"/>
+              <a:buChar char="•"/>
+            </a:pPr>
+            <a:endParaRPr lang="nb-NO" dirty="0"/>
           </a:p>
         </p:txBody>
       </p:sp>
     </p:spTree>
     <p:extLst>
       <p:ext uri="{BB962C8B-B14F-4D97-AF65-F5344CB8AC3E}">
-        <p14:creationId xmlns:p14="http://schemas.microsoft.com/office/powerpoint/2010/main" val="3188349214"/>
+        <p14:creationId xmlns:p14="http://schemas.microsoft.com/office/powerpoint/2010/main" val="1012749829"/>
       </p:ext>
     </p:extLst>
   </p:cSld>
@@ -4084,31 +4341,30 @@
           <p:cNvPr id="2" name="Tittel 1">
             <a:extLst>
               <a:ext uri="{FF2B5EF4-FFF2-40B4-BE49-F238E27FC236}">
-                <a16:creationId xmlns:a16="http://schemas.microsoft.com/office/drawing/2014/main" id="{FF45C699-0B73-410D-98C3-B1474002AAD5}"/>
-              </a:ext>
-            </a:extLst>
-          </p:cNvPr>
-          <p:cNvSpPr>
-            <a:spLocks noGrp="1"/>
-          </p:cNvSpPr>
-          <p:nvPr>
-            <p:ph type="title"/>
+                <a16:creationId xmlns:a16="http://schemas.microsoft.com/office/drawing/2014/main" id="{10219385-4DBE-4CCC-BD8E-A4E9952F2A03}"/>
+              </a:ext>
+            </a:extLst>
+          </p:cNvPr>
+          <p:cNvSpPr>
+            <a:spLocks noGrp="1"/>
+          </p:cNvSpPr>
+          <p:nvPr>
+            <p:ph type="ctrTitle"/>
           </p:nvPr>
         </p:nvSpPr>
         <p:spPr>
           <a:xfrm>
-            <a:off x="838200" y="365126"/>
-            <a:ext cx="10515600" cy="993892"/>
+            <a:off x="1521204" y="602245"/>
+            <a:ext cx="9144000" cy="1075553"/>
           </a:xfrm>
         </p:spPr>
         <p:txBody>
           <a:bodyPr/>
           <a:lstStyle/>
           <a:p>
-            <a:pPr algn="ctr"/>
             <a:r>
               <a:rPr lang="nb-NO" dirty="0"/>
-              <a:t>Paragrafer og format</a:t>
+              <a:t>Style</a:t>
             </a:r>
             <a:endParaRPr lang="en-GB" dirty="0"/>
           </a:p>
@@ -4116,140 +4372,162 @@
       </p:sp>
       <p:sp>
         <p:nvSpPr>
-          <p:cNvPr id="3" name="Plassholder for innhold 2">
-            <a:extLst>
-              <a:ext uri="{FF2B5EF4-FFF2-40B4-BE49-F238E27FC236}">
-                <a16:creationId xmlns:a16="http://schemas.microsoft.com/office/drawing/2014/main" id="{F3A3EE13-2AD3-4206-91AB-46E720A04D2F}"/>
-              </a:ext>
-            </a:extLst>
-          </p:cNvPr>
-          <p:cNvSpPr>
-            <a:spLocks noGrp="1"/>
-          </p:cNvSpPr>
-          <p:nvPr>
-            <p:ph idx="1"/>
+          <p:cNvPr id="3" name="Undertittel 2">
+            <a:extLst>
+              <a:ext uri="{FF2B5EF4-FFF2-40B4-BE49-F238E27FC236}">
+                <a16:creationId xmlns:a16="http://schemas.microsoft.com/office/drawing/2014/main" id="{402E9802-A5D5-45B6-BAAB-28DC99DD8B9E}"/>
+              </a:ext>
+            </a:extLst>
+          </p:cNvPr>
+          <p:cNvSpPr>
+            <a:spLocks noGrp="1"/>
+          </p:cNvSpPr>
+          <p:nvPr>
+            <p:ph type="subTitle" idx="1"/>
           </p:nvPr>
         </p:nvSpPr>
         <p:spPr>
           <a:xfrm>
-            <a:off x="838200" y="1216404"/>
-            <a:ext cx="10515600" cy="4960559"/>
+            <a:off x="1518408" y="1870743"/>
+            <a:ext cx="9144000" cy="3540155"/>
           </a:xfrm>
         </p:spPr>
         <p:txBody>
           <a:bodyPr>
-            <a:normAutofit fontScale="85000" lnSpcReduction="10000"/>
+            <a:normAutofit/>
           </a:bodyPr>
           <a:lstStyle/>
           <a:p>
+            <a:pPr marL="342900" indent="-342900" algn="l">
+              <a:buFont typeface="Arial" panose="020B0604020202020204" pitchFamily="34" charset="0"/>
+              <a:buChar char="•"/>
+            </a:pPr>
             <a:r>
               <a:rPr lang="nb-NO" dirty="0"/>
-              <a:t>Nettlesere leser html koden «rett frem»</a:t>
-            </a:r>
-          </a:p>
-          <a:p>
-            <a:pPr marL="0" indent="0">
-              <a:buNone/>
+              <a:t>En attributt som raskt lar oss gjøre mye med utseende til siden</a:t>
+            </a:r>
+          </a:p>
+          <a:p>
+            <a:pPr marL="342900" indent="-342900" algn="l">
+              <a:buFont typeface="Arial" panose="020B0604020202020204" pitchFamily="34" charset="0"/>
+              <a:buChar char="•"/>
             </a:pPr>
+            <a:r>
+              <a:rPr lang="nb-NO" dirty="0"/>
+              <a:t>Eksempel:</a:t>
+            </a:r>
+          </a:p>
+          <a:p>
+            <a:pPr lvl="1" algn="l"/>
+            <a:r>
+              <a:rPr lang="nb-NO" dirty="0">
+                <a:solidFill>
+                  <a:srgbClr val="FF0000"/>
+                </a:solidFill>
+              </a:rPr>
+              <a:t>&lt;h1</a:t>
+            </a:r>
+            <a:r>
+              <a:rPr lang="nb-NO" dirty="0"/>
+              <a:t> </a:t>
+            </a:r>
+            <a:r>
+              <a:rPr lang="nb-NO" dirty="0">
+                <a:solidFill>
+                  <a:schemeClr val="accent1">
+                    <a:lumMod val="75000"/>
+                  </a:schemeClr>
+                </a:solidFill>
+              </a:rPr>
+              <a:t>style</a:t>
+            </a:r>
+            <a:r>
+              <a:rPr lang="nb-NO" dirty="0">
+                <a:solidFill>
+                  <a:schemeClr val="accent6">
+                    <a:lumMod val="75000"/>
+                  </a:schemeClr>
+                </a:solidFill>
+              </a:rPr>
+              <a:t>="</a:t>
+            </a:r>
+            <a:r>
+              <a:rPr lang="nb-NO" dirty="0" err="1">
+                <a:solidFill>
+                  <a:schemeClr val="accent6">
+                    <a:lumMod val="75000"/>
+                  </a:schemeClr>
+                </a:solidFill>
+              </a:rPr>
+              <a:t>color:green;text-align:center</a:t>
+            </a:r>
+            <a:r>
+              <a:rPr lang="nb-NO" dirty="0">
+                <a:solidFill>
+                  <a:schemeClr val="accent6">
+                    <a:lumMod val="75000"/>
+                  </a:schemeClr>
+                </a:solidFill>
+              </a:rPr>
+              <a:t>"</a:t>
+            </a:r>
+            <a:r>
+              <a:rPr lang="nb-NO" dirty="0"/>
+              <a:t>&gt;Her har vi en overskrift</a:t>
+            </a:r>
+            <a:r>
+              <a:rPr lang="nb-NO" dirty="0">
+                <a:solidFill>
+                  <a:srgbClr val="FF0000"/>
+                </a:solidFill>
+              </a:rPr>
+              <a:t>&lt;/h1&gt; </a:t>
+            </a:r>
+          </a:p>
+          <a:p>
+            <a:pPr lvl="1" algn="l"/>
+            <a:r>
+              <a:rPr lang="nb-NO" dirty="0"/>
+              <a:t>Semikolon skiller mellom flere egenskaper </a:t>
+            </a:r>
+          </a:p>
+          <a:p>
+            <a:pPr lvl="1" algn="l"/>
             <a:endParaRPr lang="nb-NO" dirty="0"/>
           </a:p>
           <a:p>
+            <a:pPr algn="l"/>
             <a:r>
               <a:rPr lang="nb-NO" dirty="0"/>
-              <a:t>Vi må dermed bruke forskjellige tags for paragrafer, linjeskift og annen formattering</a:t>
-            </a:r>
-          </a:p>
-          <a:p>
+              <a:t>NB! Vi skal etterhvert bruke CSS langt mer grundig og riktig for å endre utseende til en hjemmeside. Denne er en rask «</a:t>
+            </a:r>
+            <a:r>
+              <a:rPr lang="nb-NO" dirty="0" err="1"/>
+              <a:t>quick-fix</a:t>
+            </a:r>
             <a:r>
               <a:rPr lang="nb-NO" dirty="0"/>
-              <a:t>&lt;p&gt;Første avsnitt i hjemmesiden&lt;/p&gt;</a:t>
-            </a:r>
-          </a:p>
-          <a:p>
-            <a:pPr marL="0" indent="0">
-              <a:buNone/>
-            </a:pPr>
+              <a:t>» for å komme i gang, </a:t>
+            </a:r>
+            <a:r>
+              <a:rPr lang="nb-NO" dirty="0" err="1"/>
+              <a:t>evt</a:t>
+            </a:r>
             <a:r>
               <a:rPr lang="nb-NO" dirty="0"/>
-              <a:t>   &lt;p&gt;Neste avsnitt&lt;/p&gt;</a:t>
-            </a:r>
-          </a:p>
-          <a:p>
-            <a:pPr marL="0" indent="0">
-              <a:buNone/>
-            </a:pPr>
-            <a:endParaRPr lang="nb-NO" dirty="0"/>
-          </a:p>
-          <a:p>
-            <a:r>
-              <a:rPr lang="nb-NO" dirty="0"/>
-              <a:t>&lt;p&gt;Akkurat her&lt;</a:t>
-            </a:r>
-            <a:r>
-              <a:rPr lang="nb-NO" dirty="0" err="1"/>
-              <a:t>br</a:t>
-            </a:r>
-            <a:r>
-              <a:rPr lang="nb-NO" dirty="0"/>
-              <a:t>&gt;kunne det passet med linjeskift&lt;/p&gt;</a:t>
-            </a:r>
-          </a:p>
-          <a:p>
-            <a:endParaRPr lang="nb-NO" dirty="0"/>
-          </a:p>
-          <a:p>
-            <a:r>
-              <a:rPr lang="nb-NO" dirty="0"/>
-              <a:t>&lt;p&gt;Her skriver jeg i &lt;em&gt;</a:t>
-            </a:r>
-            <a:r>
-              <a:rPr lang="nb-NO" i="1" dirty="0"/>
-              <a:t>kursiv</a:t>
-            </a:r>
-            <a:r>
-              <a:rPr lang="nb-NO" dirty="0"/>
-              <a:t>&lt;/em&gt;, mens dette er &lt;</a:t>
-            </a:r>
-            <a:r>
-              <a:rPr lang="nb-NO" dirty="0" err="1"/>
-              <a:t>strong</a:t>
-            </a:r>
-            <a:r>
-              <a:rPr lang="nb-NO" dirty="0"/>
-              <a:t>&gt;</a:t>
-            </a:r>
-            <a:r>
-              <a:rPr lang="nb-NO" b="1" dirty="0"/>
-              <a:t>fet</a:t>
-            </a:r>
-            <a:r>
-              <a:rPr lang="nb-NO" dirty="0"/>
-              <a:t>&lt;/</a:t>
-            </a:r>
-            <a:r>
-              <a:rPr lang="nb-NO" dirty="0" err="1"/>
-              <a:t>strong</a:t>
-            </a:r>
-            <a:r>
-              <a:rPr lang="nb-NO" dirty="0"/>
-              <a:t>&gt;&lt;/p&gt;</a:t>
-            </a:r>
-          </a:p>
-          <a:p>
-            <a:endParaRPr lang="nb-NO" dirty="0"/>
-          </a:p>
-          <a:p>
-            <a:r>
-              <a:rPr lang="nb-NO" dirty="0"/>
-              <a:t>Hva med &lt;i&gt; og &lt;b&gt;? Husk html kode som et «intensjonsdokument»!</a:t>
-            </a:r>
+              <a:t> endre spesifikke element i en hjemmeside. </a:t>
+            </a:r>
+          </a:p>
+          <a:p>
+            <a:pPr lvl="1" algn="l"/>
+            <a:endParaRPr lang="en-GB" dirty="0"/>
           </a:p>
         </p:txBody>
       </p:sp>
     </p:spTree>
     <p:extLst>
       <p:ext uri="{BB962C8B-B14F-4D97-AF65-F5344CB8AC3E}">
-        <p14:creationId xmlns:p14="http://schemas.microsoft.com/office/powerpoint/2010/main" val="2976767963"/>
+        <p14:creationId xmlns:p14="http://schemas.microsoft.com/office/powerpoint/2010/main" val="3188349214"/>
       </p:ext>
     </p:extLst>
   </p:cSld>
